--- a/Course_2_SupervisedLearning/Supervised_Learning_Project_Report.pptx
+++ b/Course_2_SupervisedLearning/Supervised_Learning_Project_Report.pptx
@@ -12,6 +12,9 @@
     <p:sldId id="261" r:id="rId6"/>
     <p:sldId id="263" r:id="rId7"/>
     <p:sldId id="262" r:id="rId8"/>
+    <p:sldId id="264" r:id="rId9"/>
+    <p:sldId id="265" r:id="rId10"/>
+    <p:sldId id="266" r:id="rId11"/>
   </p:sldIdLst>
   <p:sldSz cx="12192000" cy="6858000"/>
   <p:notesSz cx="6858000" cy="9144000"/>
@@ -110,6 +113,11 @@
       </a:defRPr>
     </a:lvl9pPr>
   </p:defaultTextStyle>
+  <p:extLst>
+    <p:ext uri="{EFAFB233-063F-42B5-8137-9DF3F51BA10A}">
+      <p15:sldGuideLst xmlns:p15="http://schemas.microsoft.com/office/powerpoint/2012/main"/>
+    </p:ext>
+  </p:extLst>
 </p:presentation>
 </file>
 
@@ -3396,6 +3404,92 @@
 </p:sld>
 </file>
 
+<file path=ppt/slides/slide10.xml><?xml version="1.0" encoding="utf-8"?>
+<p:sld xmlns:a="http://schemas.openxmlformats.org/drawingml/2006/main" xmlns:r="http://schemas.openxmlformats.org/officeDocument/2006/relationships" xmlns:p="http://schemas.openxmlformats.org/presentationml/2006/main">
+  <p:cSld>
+    <p:spTree>
+      <p:nvGrpSpPr>
+        <p:cNvPr id="1" name=""/>
+        <p:cNvGrpSpPr/>
+        <p:nvPr/>
+      </p:nvGrpSpPr>
+      <p:grpSpPr>
+        <a:xfrm>
+          <a:off x="0" y="0"/>
+          <a:ext cx="0" cy="0"/>
+          <a:chOff x="0" y="0"/>
+          <a:chExt cx="0" cy="0"/>
+        </a:xfrm>
+      </p:grpSpPr>
+      <p:sp>
+        <p:nvSpPr>
+          <p:cNvPr id="2" name="Title 1">
+            <a:extLst>
+              <a:ext uri="{FF2B5EF4-FFF2-40B4-BE49-F238E27FC236}">
+                <a16:creationId xmlns:a16="http://schemas.microsoft.com/office/drawing/2014/main" id="{25461210-0864-4E1B-983D-92EE420AEBE0}"/>
+              </a:ext>
+            </a:extLst>
+          </p:cNvPr>
+          <p:cNvSpPr>
+            <a:spLocks noGrp="1"/>
+          </p:cNvSpPr>
+          <p:nvPr>
+            <p:ph type="title"/>
+          </p:nvPr>
+        </p:nvSpPr>
+        <p:spPr/>
+        <p:txBody>
+          <a:bodyPr/>
+          <a:lstStyle/>
+          <a:p>
+            <a:r>
+              <a:rPr lang="en-US" dirty="0"/>
+              <a:t>Next Steps</a:t>
+            </a:r>
+          </a:p>
+        </p:txBody>
+      </p:sp>
+      <p:sp>
+        <p:nvSpPr>
+          <p:cNvPr id="3" name="Content Placeholder 2">
+            <a:extLst>
+              <a:ext uri="{FF2B5EF4-FFF2-40B4-BE49-F238E27FC236}">
+                <a16:creationId xmlns:a16="http://schemas.microsoft.com/office/drawing/2014/main" id="{63A8DCED-D54B-48D4-809C-FA3A0A21ED60}"/>
+              </a:ext>
+            </a:extLst>
+          </p:cNvPr>
+          <p:cNvSpPr>
+            <a:spLocks noGrp="1"/>
+          </p:cNvSpPr>
+          <p:nvPr>
+            <p:ph idx="1"/>
+          </p:nvPr>
+        </p:nvSpPr>
+        <p:spPr/>
+        <p:txBody>
+          <a:bodyPr/>
+          <a:lstStyle/>
+          <a:p>
+            <a:r>
+              <a:rPr lang="en-US" dirty="0"/>
+              <a:t>Other Models/Algorithms!!!</a:t>
+            </a:r>
+          </a:p>
+        </p:txBody>
+      </p:sp>
+    </p:spTree>
+    <p:extLst>
+      <p:ext uri="{BB962C8B-B14F-4D97-AF65-F5344CB8AC3E}">
+        <p14:creationId xmlns:p14="http://schemas.microsoft.com/office/powerpoint/2010/main" val="3358830671"/>
+      </p:ext>
+    </p:extLst>
+  </p:cSld>
+  <p:clrMapOvr>
+    <a:masterClrMapping/>
+  </p:clrMapOvr>
+</p:sld>
+</file>
+
 <file path=ppt/slides/slide2.xml><?xml version="1.0" encoding="utf-8"?>
 <p:sld xmlns:a="http://schemas.openxmlformats.org/drawingml/2006/main" xmlns:r="http://schemas.openxmlformats.org/officeDocument/2006/relationships" xmlns:p="http://schemas.openxmlformats.org/presentationml/2006/main">
   <p:cSld>
@@ -3618,32 +3712,32 @@
         <p:spPr/>
         <p:txBody>
           <a:bodyPr>
-            <a:normAutofit lnSpcReduction="10000"/>
+            <a:normAutofit/>
           </a:bodyPr>
           <a:lstStyle/>
           <a:p>
             <a:r>
               <a:rPr lang="en-US" dirty="0"/>
-              <a:t>The goal of this project is to train a model to predict the body fat percentage of a non-obese male using measurements that can be taken from home.  </a:t>
-            </a:r>
-          </a:p>
-          <a:p>
-            <a:r>
-              <a:rPr lang="en-US" dirty="0"/>
-              <a:t>This model will circumvent the need for the current hydrostatic weighing method of determining body fat percentages.  This method is both costly and requires specialized equipment.</a:t>
-            </a:r>
-          </a:p>
-          <a:p>
-            <a:r>
-              <a:rPr lang="en-US" dirty="0"/>
-              <a:t>The project will favor interpretability over complexity. Fewer features implemented in the model are preferred to reduce home measurement error</a:t>
+              <a:t>The goal is to train a model to predict the body fat percentage of a non-obese male using measurements that can be taken from home.  </a:t>
+            </a:r>
+          </a:p>
+          <a:p>
+            <a:r>
+              <a:rPr lang="en-US" dirty="0"/>
+              <a:t>The final model will circumvent the need for the hydrostatic weighing method of body fat percentage determination; reducing costs and eliminating the need of specialized equipment.</a:t>
+            </a:r>
+          </a:p>
+          <a:p>
+            <a:r>
+              <a:rPr lang="en-US" dirty="0"/>
+              <a:t>The project will favor interpretability over complexity. Fewer features implemented in the model are preferred to reduce home measurement error.</a:t>
             </a:r>
           </a:p>
           <a:p>
             <a:pPr lvl="1"/>
             <a:r>
               <a:rPr lang="en-US" dirty="0"/>
-              <a:t>The absolute values of the model coefficients can shed light on what parts of the body are sensitive to body fat accumulation.</a:t>
+              <a:t>The absolute values of the model parameters can shed light on what parts of the body are sensitive to body fat accumulation.</a:t>
             </a:r>
           </a:p>
         </p:txBody>
@@ -3884,7 +3978,7 @@
             </a:pPr>
             <a:r>
               <a:rPr lang="en-US" dirty="0"/>
-              <a:t>The data frame shown here is sorted by feature importance in the Ridge model.</a:t>
+              <a:t>The data frame shown here is sorted by feature importance in the Lasso model.</a:t>
             </a:r>
           </a:p>
           <a:p>
@@ -3914,17 +4008,17 @@
             </a:pPr>
             <a:r>
               <a:rPr lang="en-US" dirty="0"/>
-              <a:t>The 0-weight features in the LASSO model can be used to guide feature elimination.  </a:t>
+              <a:t>The 0-weight features in the LASSO model can be used to guide feature elimination.  When simpler models are desired</a:t>
             </a:r>
           </a:p>
         </p:txBody>
       </p:sp>
       <p:pic>
         <p:nvPicPr>
-          <p:cNvPr id="8" name="Picture 7">
-            <a:extLst>
-              <a:ext uri="{FF2B5EF4-FFF2-40B4-BE49-F238E27FC236}">
-                <a16:creationId xmlns:a16="http://schemas.microsoft.com/office/drawing/2014/main" id="{B29990DF-4D9B-41E9-A3DF-2D2BF78EA984}"/>
+          <p:cNvPr id="4" name="Picture 3">
+            <a:extLst>
+              <a:ext uri="{FF2B5EF4-FFF2-40B4-BE49-F238E27FC236}">
+                <a16:creationId xmlns:a16="http://schemas.microsoft.com/office/drawing/2014/main" id="{DB638E26-EAC0-450D-A07F-F8644D09B273}"/>
               </a:ext>
             </a:extLst>
           </p:cNvPr>
@@ -3934,15 +4028,20 @@
           <p:nvPr/>
         </p:nvPicPr>
         <p:blipFill>
-          <a:blip r:embed="rId2"/>
-          <a:stretch>
-            <a:fillRect/>
-          </a:stretch>
+          <a:blip r:embed="rId2">
+            <a:extLst>
+              <a:ext uri="{28A0092B-C50C-407E-A947-70E740481C1C}">
+                <a14:useLocalDpi xmlns:a14="http://schemas.microsoft.com/office/drawing/2010/main" val="0"/>
+              </a:ext>
+            </a:extLst>
+          </a:blip>
+          <a:srcRect/>
+          <a:stretch/>
         </p:blipFill>
         <p:spPr>
           <a:xfrm>
-            <a:off x="838200" y="1690688"/>
-            <a:ext cx="3572451" cy="4140036"/>
+            <a:off x="838200" y="1399050"/>
+            <a:ext cx="4051145" cy="4955769"/>
           </a:xfrm>
           <a:prstGeom prst="rect">
             <a:avLst/>
@@ -4026,7 +4125,7 @@
         <p:spPr/>
         <p:txBody>
           <a:bodyPr>
-            <a:normAutofit fontScale="92500" lnSpcReduction="20000"/>
+            <a:normAutofit fontScale="85000" lnSpcReduction="20000"/>
           </a:bodyPr>
           <a:lstStyle/>
           <a:p>
@@ -4052,7 +4151,7 @@
             <a:pPr lvl="1"/>
             <a:r>
               <a:rPr lang="en-US" dirty="0"/>
-              <a:t>OLS – 0.659</a:t>
+              <a:t>OLS – 0.661</a:t>
             </a:r>
           </a:p>
           <a:p>
@@ -4099,7 +4198,21 @@
             <a:pPr lvl="1"/>
             <a:r>
               <a:rPr lang="en-US" dirty="0"/>
+              <a:t>OLS – 14.80</a:t>
+            </a:r>
+          </a:p>
+          <a:p>
+            <a:pPr lvl="1"/>
+            <a:r>
+              <a:rPr lang="en-US" dirty="0"/>
               <a:t>LASSO – 10.09</a:t>
+            </a:r>
+          </a:p>
+          <a:p>
+            <a:pPr lvl="1"/>
+            <a:r>
+              <a:rPr lang="en-US" dirty="0"/>
+              <a:t>RIDGE – 12.418</a:t>
             </a:r>
           </a:p>
         </p:txBody>
@@ -4267,7 +4380,15 @@
             <a:pPr lvl="1"/>
             <a:r>
               <a:rPr lang="en-US" dirty="0"/>
-              <a:t>We see that by adding PFs to the model, the alpha value has to grow to reduce overfitting. The ridge model does not gain a performance boost from introducing PFs, as indicated by the marginal decrease in R2</a:t>
+              <a:t>We see that by adding PFs to the model, the alpha value grows to reduce overfitting. The ridge model does not gain a performance boost from introducing PFs, indicated by the marginal </a:t>
+            </a:r>
+            <a:r>
+              <a:rPr lang="en-US" i="1" dirty="0"/>
+              <a:t>decrease</a:t>
+            </a:r>
+            <a:r>
+              <a:rPr lang="en-US" dirty="0"/>
+              <a:t> in R2</a:t>
             </a:r>
           </a:p>
           <a:p>
@@ -4310,7 +4431,7 @@
             <a:pPr lvl="1"/>
             <a:r>
               <a:rPr lang="en-US" dirty="0"/>
-              <a:t>We see that despite adding PFs, the sum of |coefficients| for the lasso model remains near its original value of 10.09 .  In fact, since the sum of |coefficients| is greater for the base LASSO model than it is for models with PFs, we can say LASSO is eliminating feature effects faster than we are adding them.</a:t>
+              <a:t>We see that despite adding PFs, the sum of |coefficients| for the lasso model remains near its original value of 10.09 .  In fact, since the sum of |coefficients| is greater for the base LASSO model than it is for models with PFs. We can say LASSO is eliminating feature effects faster than we are adding them.</a:t>
             </a:r>
           </a:p>
           <a:p>
@@ -4327,6 +4448,218 @@
     <p:extLst>
       <p:ext uri="{BB962C8B-B14F-4D97-AF65-F5344CB8AC3E}">
         <p14:creationId xmlns:p14="http://schemas.microsoft.com/office/powerpoint/2010/main" val="3102354370"/>
+      </p:ext>
+    </p:extLst>
+  </p:cSld>
+  <p:clrMapOvr>
+    <a:masterClrMapping/>
+  </p:clrMapOvr>
+</p:sld>
+</file>
+
+<file path=ppt/slides/slide8.xml><?xml version="1.0" encoding="utf-8"?>
+<p:sld xmlns:a="http://schemas.openxmlformats.org/drawingml/2006/main" xmlns:r="http://schemas.openxmlformats.org/officeDocument/2006/relationships" xmlns:p="http://schemas.openxmlformats.org/presentationml/2006/main">
+  <p:cSld>
+    <p:spTree>
+      <p:nvGrpSpPr>
+        <p:cNvPr id="1" name=""/>
+        <p:cNvGrpSpPr/>
+        <p:nvPr/>
+      </p:nvGrpSpPr>
+      <p:grpSpPr>
+        <a:xfrm>
+          <a:off x="0" y="0"/>
+          <a:ext cx="0" cy="0"/>
+          <a:chOff x="0" y="0"/>
+          <a:chExt cx="0" cy="0"/>
+        </a:xfrm>
+      </p:grpSpPr>
+      <p:sp>
+        <p:nvSpPr>
+          <p:cNvPr id="2" name="Title 1">
+            <a:extLst>
+              <a:ext uri="{FF2B5EF4-FFF2-40B4-BE49-F238E27FC236}">
+                <a16:creationId xmlns:a16="http://schemas.microsoft.com/office/drawing/2014/main" id="{644DA30F-B0A8-4BDE-AF8B-D4CE1E799B1D}"/>
+              </a:ext>
+            </a:extLst>
+          </p:cNvPr>
+          <p:cNvSpPr>
+            <a:spLocks noGrp="1"/>
+          </p:cNvSpPr>
+          <p:nvPr>
+            <p:ph type="title"/>
+          </p:nvPr>
+        </p:nvSpPr>
+        <p:spPr/>
+        <p:txBody>
+          <a:bodyPr/>
+          <a:lstStyle/>
+          <a:p>
+            <a:r>
+              <a:rPr lang="en-US" dirty="0"/>
+              <a:t>Model Selection	</a:t>
+            </a:r>
+          </a:p>
+        </p:txBody>
+      </p:sp>
+      <p:sp>
+        <p:nvSpPr>
+          <p:cNvPr id="3" name="Content Placeholder 2">
+            <a:extLst>
+              <a:ext uri="{FF2B5EF4-FFF2-40B4-BE49-F238E27FC236}">
+                <a16:creationId xmlns:a16="http://schemas.microsoft.com/office/drawing/2014/main" id="{C442F6CC-7EBE-4EC5-8AA1-DA69C117895A}"/>
+              </a:ext>
+            </a:extLst>
+          </p:cNvPr>
+          <p:cNvSpPr>
+            <a:spLocks noGrp="1"/>
+          </p:cNvSpPr>
+          <p:nvPr>
+            <p:ph idx="1"/>
+          </p:nvPr>
+        </p:nvSpPr>
+        <p:spPr/>
+        <p:txBody>
+          <a:bodyPr/>
+          <a:lstStyle/>
+          <a:p>
+            <a:r>
+              <a:rPr lang="en-US" dirty="0"/>
+              <a:t>The LASSO model without added PFs had the best performance of all trained models.</a:t>
+            </a:r>
+          </a:p>
+          <a:p>
+            <a:pPr lvl="1"/>
+            <a:r>
+              <a:rPr lang="en-US" dirty="0"/>
+              <a:t>R2 = 0.661</a:t>
+            </a:r>
+          </a:p>
+          <a:p>
+            <a:r>
+              <a:rPr lang="en-US" dirty="0"/>
+              <a:t>Interestingly, the OLS regression without added features had similar performance to LASSO.  However, the LASSO model is favored due to its feature elimination.</a:t>
+            </a:r>
+          </a:p>
+          <a:p>
+            <a:r>
+              <a:rPr lang="en-US" dirty="0"/>
+              <a:t>Note that none of the linear regressions were great fits for the data.  Confidence should not be placed in the trained LASSO model.  Other algorithms may fit the data better and I am excited to carry this dataset through the course.</a:t>
+            </a:r>
+          </a:p>
+          <a:p>
+            <a:pPr marL="0" indent="0">
+              <a:buNone/>
+            </a:pPr>
+            <a:endParaRPr lang="en-US" dirty="0"/>
+          </a:p>
+        </p:txBody>
+      </p:sp>
+    </p:spTree>
+    <p:extLst>
+      <p:ext uri="{BB962C8B-B14F-4D97-AF65-F5344CB8AC3E}">
+        <p14:creationId xmlns:p14="http://schemas.microsoft.com/office/powerpoint/2010/main" val="2423284640"/>
+      </p:ext>
+    </p:extLst>
+  </p:cSld>
+  <p:clrMapOvr>
+    <a:masterClrMapping/>
+  </p:clrMapOvr>
+</p:sld>
+</file>
+
+<file path=ppt/slides/slide9.xml><?xml version="1.0" encoding="utf-8"?>
+<p:sld xmlns:a="http://schemas.openxmlformats.org/drawingml/2006/main" xmlns:r="http://schemas.openxmlformats.org/officeDocument/2006/relationships" xmlns:p="http://schemas.openxmlformats.org/presentationml/2006/main">
+  <p:cSld>
+    <p:spTree>
+      <p:nvGrpSpPr>
+        <p:cNvPr id="1" name=""/>
+        <p:cNvGrpSpPr/>
+        <p:nvPr/>
+      </p:nvGrpSpPr>
+      <p:grpSpPr>
+        <a:xfrm>
+          <a:off x="0" y="0"/>
+          <a:ext cx="0" cy="0"/>
+          <a:chOff x="0" y="0"/>
+          <a:chExt cx="0" cy="0"/>
+        </a:xfrm>
+      </p:grpSpPr>
+      <p:sp>
+        <p:nvSpPr>
+          <p:cNvPr id="2" name="Title 1">
+            <a:extLst>
+              <a:ext uri="{FF2B5EF4-FFF2-40B4-BE49-F238E27FC236}">
+                <a16:creationId xmlns:a16="http://schemas.microsoft.com/office/drawing/2014/main" id="{51B83F56-8357-4353-92A1-C80018C1F7D0}"/>
+              </a:ext>
+            </a:extLst>
+          </p:cNvPr>
+          <p:cNvSpPr>
+            <a:spLocks noGrp="1"/>
+          </p:cNvSpPr>
+          <p:nvPr>
+            <p:ph type="title"/>
+          </p:nvPr>
+        </p:nvSpPr>
+        <p:spPr/>
+        <p:txBody>
+          <a:bodyPr/>
+          <a:lstStyle/>
+          <a:p>
+            <a:r>
+              <a:rPr lang="en-US" dirty="0"/>
+              <a:t>Insights</a:t>
+            </a:r>
+          </a:p>
+        </p:txBody>
+      </p:sp>
+      <p:sp>
+        <p:nvSpPr>
+          <p:cNvPr id="3" name="Content Placeholder 2">
+            <a:extLst>
+              <a:ext uri="{FF2B5EF4-FFF2-40B4-BE49-F238E27FC236}">
+                <a16:creationId xmlns:a16="http://schemas.microsoft.com/office/drawing/2014/main" id="{4908840F-8472-49F4-AE07-F08E5C5AE8F3}"/>
+              </a:ext>
+            </a:extLst>
+          </p:cNvPr>
+          <p:cNvSpPr>
+            <a:spLocks noGrp="1"/>
+          </p:cNvSpPr>
+          <p:nvPr>
+            <p:ph idx="1"/>
+          </p:nvPr>
+        </p:nvSpPr>
+        <p:spPr/>
+        <p:txBody>
+          <a:bodyPr/>
+          <a:lstStyle/>
+          <a:p>
+            <a:r>
+              <a:rPr lang="en-US" dirty="0"/>
+              <a:t>The biggest insight from this activity was the feature elimination which occurred in the LASSO models.  Feature importance was also discovered.  A model which used only Abdomen, Wrist, BMI, Age, Neck, and Ankle measurements may be sufficient to predict the body fat percentage target.  </a:t>
+            </a:r>
+          </a:p>
+          <a:p>
+            <a:r>
+              <a:rPr lang="en-US" dirty="0"/>
+              <a:t>Linear regression is probably too simple a model for this objective.</a:t>
+            </a:r>
+          </a:p>
+          <a:p>
+            <a:r>
+              <a:rPr lang="en-US" dirty="0"/>
+              <a:t>These features will be used to trained other algorithms as the course progresses.</a:t>
+            </a:r>
+          </a:p>
+          <a:p>
+            <a:endParaRPr lang="en-US" dirty="0"/>
+          </a:p>
+        </p:txBody>
+      </p:sp>
+    </p:spTree>
+    <p:extLst>
+      <p:ext uri="{BB962C8B-B14F-4D97-AF65-F5344CB8AC3E}">
+        <p14:creationId xmlns:p14="http://schemas.microsoft.com/office/powerpoint/2010/main" val="1294733957"/>
       </p:ext>
     </p:extLst>
   </p:cSld>

--- a/Course_2_SupervisedLearning/Supervised_Learning_Project_Report.pptx
+++ b/Course_2_SupervisedLearning/Supervised_Learning_Project_Report.pptx
@@ -268,7 +268,7 @@
           <a:p>
             <a:fld id="{FFAAECC9-DA60-4B3D-8B57-465E6863E578}" type="datetimeFigureOut">
               <a:rPr lang="en-US" smtClean="0"/>
-              <a:t>4/24/2022</a:t>
+              <a:t>4/30/2022</a:t>
             </a:fld>
             <a:endParaRPr lang="en-US"/>
           </a:p>
@@ -466,7 +466,7 @@
           <a:p>
             <a:fld id="{FFAAECC9-DA60-4B3D-8B57-465E6863E578}" type="datetimeFigureOut">
               <a:rPr lang="en-US" smtClean="0"/>
-              <a:t>4/24/2022</a:t>
+              <a:t>4/30/2022</a:t>
             </a:fld>
             <a:endParaRPr lang="en-US"/>
           </a:p>
@@ -674,7 +674,7 @@
           <a:p>
             <a:fld id="{FFAAECC9-DA60-4B3D-8B57-465E6863E578}" type="datetimeFigureOut">
               <a:rPr lang="en-US" smtClean="0"/>
-              <a:t>4/24/2022</a:t>
+              <a:t>4/30/2022</a:t>
             </a:fld>
             <a:endParaRPr lang="en-US"/>
           </a:p>
@@ -872,7 +872,7 @@
           <a:p>
             <a:fld id="{FFAAECC9-DA60-4B3D-8B57-465E6863E578}" type="datetimeFigureOut">
               <a:rPr lang="en-US" smtClean="0"/>
-              <a:t>4/24/2022</a:t>
+              <a:t>4/30/2022</a:t>
             </a:fld>
             <a:endParaRPr lang="en-US"/>
           </a:p>
@@ -1147,7 +1147,7 @@
           <a:p>
             <a:fld id="{FFAAECC9-DA60-4B3D-8B57-465E6863E578}" type="datetimeFigureOut">
               <a:rPr lang="en-US" smtClean="0"/>
-              <a:t>4/24/2022</a:t>
+              <a:t>4/30/2022</a:t>
             </a:fld>
             <a:endParaRPr lang="en-US"/>
           </a:p>
@@ -1412,7 +1412,7 @@
           <a:p>
             <a:fld id="{FFAAECC9-DA60-4B3D-8B57-465E6863E578}" type="datetimeFigureOut">
               <a:rPr lang="en-US" smtClean="0"/>
-              <a:t>4/24/2022</a:t>
+              <a:t>4/30/2022</a:t>
             </a:fld>
             <a:endParaRPr lang="en-US"/>
           </a:p>
@@ -1824,7 +1824,7 @@
           <a:p>
             <a:fld id="{FFAAECC9-DA60-4B3D-8B57-465E6863E578}" type="datetimeFigureOut">
               <a:rPr lang="en-US" smtClean="0"/>
-              <a:t>4/24/2022</a:t>
+              <a:t>4/30/2022</a:t>
             </a:fld>
             <a:endParaRPr lang="en-US"/>
           </a:p>
@@ -1965,7 +1965,7 @@
           <a:p>
             <a:fld id="{FFAAECC9-DA60-4B3D-8B57-465E6863E578}" type="datetimeFigureOut">
               <a:rPr lang="en-US" smtClean="0"/>
-              <a:t>4/24/2022</a:t>
+              <a:t>4/30/2022</a:t>
             </a:fld>
             <a:endParaRPr lang="en-US"/>
           </a:p>
@@ -2078,7 +2078,7 @@
           <a:p>
             <a:fld id="{FFAAECC9-DA60-4B3D-8B57-465E6863E578}" type="datetimeFigureOut">
               <a:rPr lang="en-US" smtClean="0"/>
-              <a:t>4/24/2022</a:t>
+              <a:t>4/30/2022</a:t>
             </a:fld>
             <a:endParaRPr lang="en-US"/>
           </a:p>
@@ -2389,7 +2389,7 @@
           <a:p>
             <a:fld id="{FFAAECC9-DA60-4B3D-8B57-465E6863E578}" type="datetimeFigureOut">
               <a:rPr lang="en-US" smtClean="0"/>
-              <a:t>4/24/2022</a:t>
+              <a:t>4/30/2022</a:t>
             </a:fld>
             <a:endParaRPr lang="en-US"/>
           </a:p>
@@ -2677,7 +2677,7 @@
           <a:p>
             <a:fld id="{FFAAECC9-DA60-4B3D-8B57-465E6863E578}" type="datetimeFigureOut">
               <a:rPr lang="en-US" smtClean="0"/>
-              <a:t>4/24/2022</a:t>
+              <a:t>4/30/2022</a:t>
             </a:fld>
             <a:endParaRPr lang="en-US"/>
           </a:p>
@@ -2918,7 +2918,7 @@
           <a:p>
             <a:fld id="{FFAAECC9-DA60-4B3D-8B57-465E6863E578}" type="datetimeFigureOut">
               <a:rPr lang="en-US" smtClean="0"/>
-              <a:t>4/24/2022</a:t>
+              <a:t>4/30/2022</a:t>
             </a:fld>
             <a:endParaRPr lang="en-US"/>
           </a:p>

--- a/Course_2_SupervisedLearning/Supervised_Learning_Project_Report.pptx
+++ b/Course_2_SupervisedLearning/Supervised_Learning_Project_Report.pptx
@@ -268,7 +268,7 @@
           <a:p>
             <a:fld id="{FFAAECC9-DA60-4B3D-8B57-465E6863E578}" type="datetimeFigureOut">
               <a:rPr lang="en-US" smtClean="0"/>
-              <a:t>4/30/2022</a:t>
+              <a:t>12/18/2022</a:t>
             </a:fld>
             <a:endParaRPr lang="en-US"/>
           </a:p>
@@ -466,7 +466,7 @@
           <a:p>
             <a:fld id="{FFAAECC9-DA60-4B3D-8B57-465E6863E578}" type="datetimeFigureOut">
               <a:rPr lang="en-US" smtClean="0"/>
-              <a:t>4/30/2022</a:t>
+              <a:t>12/18/2022</a:t>
             </a:fld>
             <a:endParaRPr lang="en-US"/>
           </a:p>
@@ -674,7 +674,7 @@
           <a:p>
             <a:fld id="{FFAAECC9-DA60-4B3D-8B57-465E6863E578}" type="datetimeFigureOut">
               <a:rPr lang="en-US" smtClean="0"/>
-              <a:t>4/30/2022</a:t>
+              <a:t>12/18/2022</a:t>
             </a:fld>
             <a:endParaRPr lang="en-US"/>
           </a:p>
@@ -872,7 +872,7 @@
           <a:p>
             <a:fld id="{FFAAECC9-DA60-4B3D-8B57-465E6863E578}" type="datetimeFigureOut">
               <a:rPr lang="en-US" smtClean="0"/>
-              <a:t>4/30/2022</a:t>
+              <a:t>12/18/2022</a:t>
             </a:fld>
             <a:endParaRPr lang="en-US"/>
           </a:p>
@@ -1147,7 +1147,7 @@
           <a:p>
             <a:fld id="{FFAAECC9-DA60-4B3D-8B57-465E6863E578}" type="datetimeFigureOut">
               <a:rPr lang="en-US" smtClean="0"/>
-              <a:t>4/30/2022</a:t>
+              <a:t>12/18/2022</a:t>
             </a:fld>
             <a:endParaRPr lang="en-US"/>
           </a:p>
@@ -1412,7 +1412,7 @@
           <a:p>
             <a:fld id="{FFAAECC9-DA60-4B3D-8B57-465E6863E578}" type="datetimeFigureOut">
               <a:rPr lang="en-US" smtClean="0"/>
-              <a:t>4/30/2022</a:t>
+              <a:t>12/18/2022</a:t>
             </a:fld>
             <a:endParaRPr lang="en-US"/>
           </a:p>
@@ -1824,7 +1824,7 @@
           <a:p>
             <a:fld id="{FFAAECC9-DA60-4B3D-8B57-465E6863E578}" type="datetimeFigureOut">
               <a:rPr lang="en-US" smtClean="0"/>
-              <a:t>4/30/2022</a:t>
+              <a:t>12/18/2022</a:t>
             </a:fld>
             <a:endParaRPr lang="en-US"/>
           </a:p>
@@ -1965,7 +1965,7 @@
           <a:p>
             <a:fld id="{FFAAECC9-DA60-4B3D-8B57-465E6863E578}" type="datetimeFigureOut">
               <a:rPr lang="en-US" smtClean="0"/>
-              <a:t>4/30/2022</a:t>
+              <a:t>12/18/2022</a:t>
             </a:fld>
             <a:endParaRPr lang="en-US"/>
           </a:p>
@@ -2078,7 +2078,7 @@
           <a:p>
             <a:fld id="{FFAAECC9-DA60-4B3D-8B57-465E6863E578}" type="datetimeFigureOut">
               <a:rPr lang="en-US" smtClean="0"/>
-              <a:t>4/30/2022</a:t>
+              <a:t>12/18/2022</a:t>
             </a:fld>
             <a:endParaRPr lang="en-US"/>
           </a:p>
@@ -2389,7 +2389,7 @@
           <a:p>
             <a:fld id="{FFAAECC9-DA60-4B3D-8B57-465E6863E578}" type="datetimeFigureOut">
               <a:rPr lang="en-US" smtClean="0"/>
-              <a:t>4/30/2022</a:t>
+              <a:t>12/18/2022</a:t>
             </a:fld>
             <a:endParaRPr lang="en-US"/>
           </a:p>
@@ -2677,7 +2677,7 @@
           <a:p>
             <a:fld id="{FFAAECC9-DA60-4B3D-8B57-465E6863E578}" type="datetimeFigureOut">
               <a:rPr lang="en-US" smtClean="0"/>
-              <a:t>4/30/2022</a:t>
+              <a:t>12/18/2022</a:t>
             </a:fld>
             <a:endParaRPr lang="en-US"/>
           </a:p>
@@ -2918,7 +2918,7 @@
           <a:p>
             <a:fld id="{FFAAECC9-DA60-4B3D-8B57-465E6863E578}" type="datetimeFigureOut">
               <a:rPr lang="en-US" smtClean="0"/>
-              <a:t>4/30/2022</a:t>
+              <a:t>12/18/2022</a:t>
             </a:fld>
             <a:endParaRPr lang="en-US"/>
           </a:p>
@@ -3564,7 +3564,7 @@
           <a:p>
             <a:r>
               <a:rPr lang="en-US" dirty="0"/>
-              <a:t>Please follow the following link for a summary of the data set and its attributes:</a:t>
+              <a:t>Please use the following link for a summary of the data set and its attributes:</a:t>
             </a:r>
           </a:p>
           <a:p>
@@ -3580,7 +3580,7 @@
           <a:p>
             <a:r>
               <a:rPr lang="en-US" dirty="0"/>
-              <a:t>Cleaning Measures were taken to ensure each column was normally distributed.  </a:t>
+              <a:t>Data were cleaned to ensure each column was normally distributed.  </a:t>
             </a:r>
           </a:p>
           <a:p>
@@ -3609,15 +3609,18 @@
             </a:r>
           </a:p>
           <a:p>
-            <a:pPr lvl="1"/>
-            <a:r>
-              <a:rPr lang="en-US" dirty="0"/>
-              <a:t>Specifics of the cleaning are outside the scope of this report</a:t>
-            </a:r>
-          </a:p>
-          <a:p>
-            <a:pPr lvl="2"/>
-            <a:endParaRPr lang="en-US" dirty="0"/>
+            <a:r>
+              <a:rPr lang="en-US" dirty="0"/>
+              <a:t>Data cleaning details can be seen in the </a:t>
+            </a:r>
+            <a:r>
+              <a:rPr lang="en-US" dirty="0" err="1"/>
+              <a:t>Jupyter</a:t>
+            </a:r>
+            <a:r>
+              <a:rPr lang="en-US" dirty="0"/>
+              <a:t> Notebook.</a:t>
+            </a:r>
           </a:p>
           <a:p>
             <a:pPr marL="914400" lvl="2" indent="0">
@@ -3718,13 +3721,13 @@
           <a:p>
             <a:r>
               <a:rPr lang="en-US" dirty="0"/>
-              <a:t>The goal is to train a model to predict the body fat percentage of a non-obese male using measurements that can be taken from home.  </a:t>
-            </a:r>
-          </a:p>
-          <a:p>
-            <a:r>
-              <a:rPr lang="en-US" dirty="0"/>
-              <a:t>The final model will circumvent the need for the hydrostatic weighing method of body fat percentage determination; reducing costs and eliminating the need of specialized equipment.</a:t>
+              <a:t>The goal is to train a model to predict the body fat percentage of non-obese males using measurements that can be taken from home.  </a:t>
+            </a:r>
+          </a:p>
+          <a:p>
+            <a:r>
+              <a:rPr lang="en-US" dirty="0"/>
+              <a:t>The model will eliminate the need for the hydrostatic weighing method of body fat percentage determination; reducing costs and eliminating the need of specialized equipment.</a:t>
             </a:r>
           </a:p>
           <a:p>
@@ -3737,7 +3740,7 @@
             <a:pPr lvl="1"/>
             <a:r>
               <a:rPr lang="en-US" dirty="0"/>
-              <a:t>The absolute values of the model parameters can shed light on what parts of the body are sensitive to body fat accumulation.</a:t>
+              <a:t>The absolute values of the model parameters can identify body location sensitive to body fat accumulation.</a:t>
             </a:r>
           </a:p>
         </p:txBody>
@@ -3875,7 +3878,7 @@
             <a:pPr lvl="1"/>
             <a:r>
               <a:rPr lang="en-US" dirty="0"/>
-              <a:t>RIDGE and LASSO did not gain a clear benefit from introduction of PFs</a:t>
+              <a:t>RIDGE and LASSO benefited marginally from the introduction of PFs</a:t>
             </a:r>
           </a:p>
           <a:p>
@@ -4008,7 +4011,7 @@
             </a:pPr>
             <a:r>
               <a:rPr lang="en-US" dirty="0"/>
-              <a:t>The 0-weight features in the LASSO model can be used to guide feature elimination.  When simpler models are desired</a:t>
+              <a:t>The 0-weight features in the LASSO model can be used to guide feature elimination. </a:t>
             </a:r>
           </a:p>
         </p:txBody>
@@ -4151,7 +4154,7 @@
             <a:pPr lvl="1"/>
             <a:r>
               <a:rPr lang="en-US" dirty="0"/>
-              <a:t>OLS – 0.661</a:t>
+              <a:t>OLS – 0.660</a:t>
             </a:r>
           </a:p>
           <a:p>
@@ -4299,7 +4302,7 @@
         </p:spPr>
         <p:txBody>
           <a:bodyPr>
-            <a:normAutofit fontScale="92500" lnSpcReduction="20000"/>
+            <a:normAutofit fontScale="92500" lnSpcReduction="10000"/>
           </a:bodyPr>
           <a:lstStyle/>
           <a:p>
@@ -4358,7 +4361,7 @@
             </a:r>
             <a:r>
               <a:rPr lang="en-US" dirty="0"/>
-              <a:t> Degree: alpha = 56.785, R2 = .632</a:t>
+              <a:t> Degree: alpha = 56.785, R2 = .660</a:t>
             </a:r>
           </a:p>
           <a:p>
@@ -4380,15 +4383,7 @@
             <a:pPr lvl="1"/>
             <a:r>
               <a:rPr lang="en-US" dirty="0"/>
-              <a:t>We see that by adding PFs to the model, the alpha value grows to reduce overfitting. The ridge model does not gain a performance boost from introducing PFs, indicated by the marginal </a:t>
-            </a:r>
-            <a:r>
-              <a:rPr lang="en-US" i="1" dirty="0"/>
-              <a:t>decrease</a:t>
-            </a:r>
-            <a:r>
-              <a:rPr lang="en-US" dirty="0"/>
-              <a:t> in R2</a:t>
+              <a:t>We see that by adding PFs to the model, the alpha value grows to reduce overfitting. </a:t>
             </a:r>
           </a:p>
           <a:p>
@@ -4409,7 +4404,7 @@
             </a:r>
             <a:r>
               <a:rPr lang="en-US" dirty="0"/>
-              <a:t> Degree: alpha = 0.257, R2 = .659, sum of |coefficients| = 9.677</a:t>
+              <a:t> Degree: alpha = 0.257, R2 = .660, sum of |coefficients| = 9.677</a:t>
             </a:r>
           </a:p>
           <a:p>
@@ -4539,12 +4534,6 @@
             <a:r>
               <a:rPr lang="en-US" dirty="0"/>
               <a:t>Interestingly, the OLS regression without added features had similar performance to LASSO.  However, the LASSO model is favored due to its feature elimination.</a:t>
-            </a:r>
-          </a:p>
-          <a:p>
-            <a:r>
-              <a:rPr lang="en-US" dirty="0"/>
-              <a:t>Note that none of the linear regressions were great fits for the data.  Confidence should not be placed in the trained LASSO model.  Other algorithms may fit the data better and I am excited to carry this dataset through the course.</a:t>
             </a:r>
           </a:p>
           <a:p>
